--- a/journalClub/MLOPT_Vol2/paper_presentation.pptx
+++ b/journalClub/MLOPT_Vol2/paper_presentation.pptx
@@ -121,6 +121,11 @@
       </a:defRPr>
     </a:lvl9pPr>
   </p:defaultTextStyle>
+  <p:extLst>
+    <p:ext uri="{EFAFB233-063F-42B5-8137-9DF3F51BA10A}">
+      <p15:sldGuideLst xmlns:p15="http://schemas.microsoft.com/office/powerpoint/2012/main"/>
+    </p:ext>
+  </p:extLst>
 </p:presentation>
 </file>
 
@@ -206,7 +211,7 @@
           <a:p>
             <a:fld id="{1128C749-39A3-4704-A65D-CA0F2C548D95}" type="datetimeFigureOut">
               <a:rPr lang="en-GB" smtClean="0"/>
-              <a:t>09/09/2020</a:t>
+              <a:t>23/09/2020</a:t>
             </a:fld>
             <a:endParaRPr lang="en-GB"/>
           </a:p>
@@ -3949,7 +3954,7 @@
             </a:endParaRPr>
           </a:p>
           <a:p>
-            <a:pPr marL="0" marR="0" lvl="0" indent="0" algn="l" defTabSz="914400" rtl="0" eaLnBrk="1" fontAlgn="auto" latinLnBrk="0" hangingPunct="1">
+            <a:pPr marL="171450" marR="0" lvl="0" indent="-171450" algn="l" defTabSz="914400" rtl="0" eaLnBrk="1" fontAlgn="auto" latinLnBrk="0" hangingPunct="1">
               <a:lnSpc>
                 <a:spcPct val="100000"/>
               </a:lnSpc>
@@ -3962,7 +3967,7 @@
               <a:buClrTx/>
               <a:buSzTx/>
               <a:buFontTx/>
-              <a:buNone/>
+              <a:buChar char="-"/>
               <a:tabLst/>
               <a:defRPr/>
             </a:pPr>
@@ -3970,7 +3975,7 @@
               <a:rPr lang="de-DE" dirty="0">
                 <a:sym typeface="Wingdings" panose="05000000000000000000" pitchFamily="2" charset="2"/>
               </a:rPr>
-              <a:t>- EHRs in USA: </a:t>
+              <a:t>EHRs in USA: </a:t>
             </a:r>
             <a:r>
               <a:rPr lang="en-GB" sz="1200" b="0" i="0" u="none" strike="noStrike" kern="1200" dirty="0">
@@ -4055,6 +4060,37 @@
                 <a:cs typeface="+mn-cs"/>
               </a:rPr>
               <a:t> bias)</a:t>
+            </a:r>
+          </a:p>
+          <a:p>
+            <a:pPr marL="171450" marR="0" lvl="0" indent="-171450" algn="l" defTabSz="914400" rtl="0" eaLnBrk="1" fontAlgn="auto" latinLnBrk="0" hangingPunct="1">
+              <a:lnSpc>
+                <a:spcPct val="100000"/>
+              </a:lnSpc>
+              <a:spcBef>
+                <a:spcPts val="0"/>
+              </a:spcBef>
+              <a:spcAft>
+                <a:spcPts val="0"/>
+              </a:spcAft>
+              <a:buClrTx/>
+              <a:buSzTx/>
+              <a:buFontTx/>
+              <a:buChar char="-"/>
+              <a:tabLst/>
+              <a:defRPr/>
+            </a:pPr>
+            <a:r>
+              <a:rPr lang="en-GB" sz="1200" b="0" i="0" u="none" strike="noStrike" kern="1200" dirty="0">
+                <a:solidFill>
+                  <a:schemeClr val="tx1"/>
+                </a:solidFill>
+                <a:effectLst/>
+                <a:latin typeface="+mn-lt"/>
+                <a:ea typeface="+mn-ea"/>
+                <a:cs typeface="+mn-cs"/>
+              </a:rPr>
+              <a:t>ML in this case: introduction of causal inference (low level explanation)</a:t>
             </a:r>
           </a:p>
           <a:p>
@@ -4584,7 +4620,7 @@
           <a:p>
             <a:fld id="{BC682384-F214-4ECF-BE65-A9DAC235BA21}" type="datetimeFigureOut">
               <a:rPr lang="en-GB" smtClean="0"/>
-              <a:t>09/09/2020</a:t>
+              <a:t>23/09/2020</a:t>
             </a:fld>
             <a:endParaRPr lang="en-GB"/>
           </a:p>
@@ -4792,7 +4828,7 @@
           <a:p>
             <a:fld id="{BC682384-F214-4ECF-BE65-A9DAC235BA21}" type="datetimeFigureOut">
               <a:rPr lang="en-GB" smtClean="0"/>
-              <a:t>09/09/2020</a:t>
+              <a:t>23/09/2020</a:t>
             </a:fld>
             <a:endParaRPr lang="en-GB"/>
           </a:p>
@@ -5048,7 +5084,7 @@
           <a:p>
             <a:fld id="{BC682384-F214-4ECF-BE65-A9DAC235BA21}" type="datetimeFigureOut">
               <a:rPr lang="en-GB" smtClean="0"/>
-              <a:t>09/09/2020</a:t>
+              <a:t>23/09/2020</a:t>
             </a:fld>
             <a:endParaRPr lang="en-GB"/>
           </a:p>
@@ -5218,7 +5254,7 @@
           <a:p>
             <a:fld id="{BC682384-F214-4ECF-BE65-A9DAC235BA21}" type="datetimeFigureOut">
               <a:rPr lang="en-GB" smtClean="0"/>
-              <a:t>09/09/2020</a:t>
+              <a:t>23/09/2020</a:t>
             </a:fld>
             <a:endParaRPr lang="en-GB"/>
           </a:p>
@@ -5561,7 +5597,7 @@
           <a:p>
             <a:fld id="{BC682384-F214-4ECF-BE65-A9DAC235BA21}" type="datetimeFigureOut">
               <a:rPr lang="en-GB" smtClean="0"/>
-              <a:t>09/09/2020</a:t>
+              <a:t>23/09/2020</a:t>
             </a:fld>
             <a:endParaRPr lang="en-GB"/>
           </a:p>
@@ -5836,7 +5872,7 @@
           <a:p>
             <a:fld id="{BC682384-F214-4ECF-BE65-A9DAC235BA21}" type="datetimeFigureOut">
               <a:rPr lang="en-GB" smtClean="0"/>
-              <a:t>09/09/2020</a:t>
+              <a:t>23/09/2020</a:t>
             </a:fld>
             <a:endParaRPr lang="en-GB"/>
           </a:p>
@@ -6215,7 +6251,7 @@
           <a:p>
             <a:fld id="{BC682384-F214-4ECF-BE65-A9DAC235BA21}" type="datetimeFigureOut">
               <a:rPr lang="en-GB" smtClean="0"/>
-              <a:t>09/09/2020</a:t>
+              <a:t>23/09/2020</a:t>
             </a:fld>
             <a:endParaRPr lang="en-GB"/>
           </a:p>
@@ -6333,7 +6369,7 @@
           <a:p>
             <a:fld id="{BC682384-F214-4ECF-BE65-A9DAC235BA21}" type="datetimeFigureOut">
               <a:rPr lang="en-GB" smtClean="0"/>
-              <a:t>09/09/2020</a:t>
+              <a:t>23/09/2020</a:t>
             </a:fld>
             <a:endParaRPr lang="en-GB"/>
           </a:p>
@@ -6504,7 +6540,7 @@
           <a:p>
             <a:fld id="{BC682384-F214-4ECF-BE65-A9DAC235BA21}" type="datetimeFigureOut">
               <a:rPr lang="en-GB" smtClean="0"/>
-              <a:t>09/09/2020</a:t>
+              <a:t>23/09/2020</a:t>
             </a:fld>
             <a:endParaRPr lang="en-GB"/>
           </a:p>
@@ -6858,7 +6894,7 @@
           <a:p>
             <a:fld id="{BC682384-F214-4ECF-BE65-A9DAC235BA21}" type="datetimeFigureOut">
               <a:rPr lang="en-GB" smtClean="0"/>
-              <a:t>09/09/2020</a:t>
+              <a:t>23/09/2020</a:t>
             </a:fld>
             <a:endParaRPr lang="en-GB"/>
           </a:p>
@@ -7235,7 +7271,7 @@
           <a:p>
             <a:fld id="{BC682384-F214-4ECF-BE65-A9DAC235BA21}" type="datetimeFigureOut">
               <a:rPr lang="en-GB" smtClean="0"/>
-              <a:t>09/09/2020</a:t>
+              <a:t>23/09/2020</a:t>
             </a:fld>
             <a:endParaRPr lang="en-GB"/>
           </a:p>
@@ -7522,7 +7558,7 @@
           <a:p>
             <a:fld id="{BC682384-F214-4ECF-BE65-A9DAC235BA21}" type="datetimeFigureOut">
               <a:rPr lang="en-GB" smtClean="0"/>
-              <a:t>09/09/2020</a:t>
+              <a:t>23/09/2020</a:t>
             </a:fld>
             <a:endParaRPr lang="en-GB"/>
           </a:p>
